--- a/Presentazioni/Presentazione RP 19-03-2018.pptx
+++ b/Presentazioni/Presentazione RP 19-03-2018.pptx
@@ -6,10 +6,20 @@
   </p:sldMasterIdLst>
   <p:sldIdLst>
     <p:sldId id="256" r:id="rId2"/>
-    <p:sldId id="257" r:id="rId3"/>
-    <p:sldId id="258" r:id="rId4"/>
-    <p:sldId id="263" r:id="rId5"/>
-    <p:sldId id="264" r:id="rId6"/>
+    <p:sldId id="265" r:id="rId3"/>
+    <p:sldId id="266" r:id="rId4"/>
+    <p:sldId id="257" r:id="rId5"/>
+    <p:sldId id="267" r:id="rId6"/>
+    <p:sldId id="271" r:id="rId7"/>
+    <p:sldId id="270" r:id="rId8"/>
+    <p:sldId id="268" r:id="rId9"/>
+    <p:sldId id="274" r:id="rId10"/>
+    <p:sldId id="272" r:id="rId11"/>
+    <p:sldId id="273" r:id="rId12"/>
+    <p:sldId id="269" r:id="rId13"/>
+    <p:sldId id="276" r:id="rId14"/>
+    <p:sldId id="264" r:id="rId15"/>
+    <p:sldId id="275" r:id="rId16"/>
   </p:sldIdLst>
   <p:sldSz cx="12192000" cy="6858000"/>
   <p:notesSz cx="6858000" cy="9144000"/>
@@ -108,6 +118,11 @@
       </a:defRPr>
     </a:lvl9pPr>
   </p:defaultTextStyle>
+  <p:extLst>
+    <p:ext uri="{EFAFB233-063F-42B5-8137-9DF3F51BA10A}">
+      <p15:sldGuideLst xmlns:p15="http://schemas.microsoft.com/office/powerpoint/2012/main"/>
+    </p:ext>
+  </p:extLst>
 </p:presentation>
 </file>
 
@@ -258,7 +273,7 @@
           <a:p>
             <a:fld id="{7D19621C-1F67-4AF9-BEBE-F829DFAEBE10}" type="datetimeFigureOut">
               <a:rPr lang="it-IT" smtClean="0"/>
-              <a:t>15/03/2018</a:t>
+              <a:t>17/03/2018</a:t>
             </a:fld>
             <a:endParaRPr lang="it-IT"/>
           </a:p>
@@ -456,7 +471,7 @@
           <a:p>
             <a:fld id="{7D19621C-1F67-4AF9-BEBE-F829DFAEBE10}" type="datetimeFigureOut">
               <a:rPr lang="it-IT" smtClean="0"/>
-              <a:t>15/03/2018</a:t>
+              <a:t>17/03/2018</a:t>
             </a:fld>
             <a:endParaRPr lang="it-IT"/>
           </a:p>
@@ -664,7 +679,7 @@
           <a:p>
             <a:fld id="{7D19621C-1F67-4AF9-BEBE-F829DFAEBE10}" type="datetimeFigureOut">
               <a:rPr lang="it-IT" smtClean="0"/>
-              <a:t>15/03/2018</a:t>
+              <a:t>17/03/2018</a:t>
             </a:fld>
             <a:endParaRPr lang="it-IT"/>
           </a:p>
@@ -862,7 +877,7 @@
           <a:p>
             <a:fld id="{7D19621C-1F67-4AF9-BEBE-F829DFAEBE10}" type="datetimeFigureOut">
               <a:rPr lang="it-IT" smtClean="0"/>
-              <a:t>15/03/2018</a:t>
+              <a:t>17/03/2018</a:t>
             </a:fld>
             <a:endParaRPr lang="it-IT"/>
           </a:p>
@@ -1137,7 +1152,7 @@
           <a:p>
             <a:fld id="{7D19621C-1F67-4AF9-BEBE-F829DFAEBE10}" type="datetimeFigureOut">
               <a:rPr lang="it-IT" smtClean="0"/>
-              <a:t>15/03/2018</a:t>
+              <a:t>17/03/2018</a:t>
             </a:fld>
             <a:endParaRPr lang="it-IT"/>
           </a:p>
@@ -1402,7 +1417,7 @@
           <a:p>
             <a:fld id="{7D19621C-1F67-4AF9-BEBE-F829DFAEBE10}" type="datetimeFigureOut">
               <a:rPr lang="it-IT" smtClean="0"/>
-              <a:t>15/03/2018</a:t>
+              <a:t>17/03/2018</a:t>
             </a:fld>
             <a:endParaRPr lang="it-IT"/>
           </a:p>
@@ -1814,7 +1829,7 @@
           <a:p>
             <a:fld id="{7D19621C-1F67-4AF9-BEBE-F829DFAEBE10}" type="datetimeFigureOut">
               <a:rPr lang="it-IT" smtClean="0"/>
-              <a:t>15/03/2018</a:t>
+              <a:t>17/03/2018</a:t>
             </a:fld>
             <a:endParaRPr lang="it-IT"/>
           </a:p>
@@ -1955,7 +1970,7 @@
           <a:p>
             <a:fld id="{7D19621C-1F67-4AF9-BEBE-F829DFAEBE10}" type="datetimeFigureOut">
               <a:rPr lang="it-IT" smtClean="0"/>
-              <a:t>15/03/2018</a:t>
+              <a:t>17/03/2018</a:t>
             </a:fld>
             <a:endParaRPr lang="it-IT"/>
           </a:p>
@@ -2068,7 +2083,7 @@
           <a:p>
             <a:fld id="{7D19621C-1F67-4AF9-BEBE-F829DFAEBE10}" type="datetimeFigureOut">
               <a:rPr lang="it-IT" smtClean="0"/>
-              <a:t>15/03/2018</a:t>
+              <a:t>17/03/2018</a:t>
             </a:fld>
             <a:endParaRPr lang="it-IT"/>
           </a:p>
@@ -2379,7 +2394,7 @@
           <a:p>
             <a:fld id="{7D19621C-1F67-4AF9-BEBE-F829DFAEBE10}" type="datetimeFigureOut">
               <a:rPr lang="it-IT" smtClean="0"/>
-              <a:t>15/03/2018</a:t>
+              <a:t>17/03/2018</a:t>
             </a:fld>
             <a:endParaRPr lang="it-IT"/>
           </a:p>
@@ -2667,7 +2682,7 @@
           <a:p>
             <a:fld id="{7D19621C-1F67-4AF9-BEBE-F829DFAEBE10}" type="datetimeFigureOut">
               <a:rPr lang="it-IT" smtClean="0"/>
-              <a:t>15/03/2018</a:t>
+              <a:t>17/03/2018</a:t>
             </a:fld>
             <a:endParaRPr lang="it-IT"/>
           </a:p>
@@ -2908,7 +2923,7 @@
           <a:p>
             <a:fld id="{7D19621C-1F67-4AF9-BEBE-F829DFAEBE10}" type="datetimeFigureOut">
               <a:rPr lang="it-IT" smtClean="0"/>
-              <a:t>15/03/2018</a:t>
+              <a:t>17/03/2018</a:t>
             </a:fld>
             <a:endParaRPr lang="it-IT"/>
           </a:p>
@@ -3348,7 +3363,7 @@
           <a:p>
             <a:r>
               <a:rPr lang="it-IT" dirty="0"/>
-              <a:t>Presentazione RP</a:t>
+              <a:t>Titolo Presentazione RP</a:t>
             </a:r>
           </a:p>
         </p:txBody>
@@ -3406,6 +3421,612 @@
     <p:extLst>
       <p:ext uri="{BB962C8B-B14F-4D97-AF65-F5344CB8AC3E}">
         <p14:creationId xmlns:p14="http://schemas.microsoft.com/office/powerpoint/2010/main" val="3345918657"/>
+      </p:ext>
+    </p:extLst>
+  </p:cSld>
+  <p:clrMapOvr>
+    <a:masterClrMapping/>
+  </p:clrMapOvr>
+</p:sld>
+</file>
+
+<file path=ppt/slides/slide10.xml><?xml version="1.0" encoding="utf-8"?>
+<p:sld xmlns:a="http://schemas.openxmlformats.org/drawingml/2006/main" xmlns:r="http://schemas.openxmlformats.org/officeDocument/2006/relationships" xmlns:p="http://schemas.openxmlformats.org/presentationml/2006/main">
+  <p:cSld>
+    <p:spTree>
+      <p:nvGrpSpPr>
+        <p:cNvPr id="1" name=""/>
+        <p:cNvGrpSpPr/>
+        <p:nvPr/>
+      </p:nvGrpSpPr>
+      <p:grpSpPr>
+        <a:xfrm>
+          <a:off x="0" y="0"/>
+          <a:ext cx="0" cy="0"/>
+          <a:chOff x="0" y="0"/>
+          <a:chExt cx="0" cy="0"/>
+        </a:xfrm>
+      </p:grpSpPr>
+      <p:sp>
+        <p:nvSpPr>
+          <p:cNvPr id="2" name="Titolo 1">
+            <a:extLst>
+              <a:ext uri="{FF2B5EF4-FFF2-40B4-BE49-F238E27FC236}">
+                <a16:creationId xmlns:a16="http://schemas.microsoft.com/office/drawing/2014/main" id="{EB38B556-AA44-4204-A800-DC46FF6DBA0C}"/>
+              </a:ext>
+            </a:extLst>
+          </p:cNvPr>
+          <p:cNvSpPr>
+            <a:spLocks noGrp="1"/>
+          </p:cNvSpPr>
+          <p:nvPr>
+            <p:ph type="title"/>
+          </p:nvPr>
+        </p:nvSpPr>
+        <p:spPr/>
+        <p:txBody>
+          <a:bodyPr/>
+          <a:lstStyle/>
+          <a:p>
+            <a:r>
+              <a:rPr lang="it-IT" dirty="0"/>
+              <a:t>Gestione</a:t>
+            </a:r>
+          </a:p>
+        </p:txBody>
+      </p:sp>
+      <p:sp>
+        <p:nvSpPr>
+          <p:cNvPr id="3" name="Segnaposto contenuto 2">
+            <a:extLst>
+              <a:ext uri="{FF2B5EF4-FFF2-40B4-BE49-F238E27FC236}">
+                <a16:creationId xmlns:a16="http://schemas.microsoft.com/office/drawing/2014/main" id="{2696082D-EBA0-4C39-A680-AC9E362BF0B2}"/>
+              </a:ext>
+            </a:extLst>
+          </p:cNvPr>
+          <p:cNvSpPr>
+            <a:spLocks noGrp="1"/>
+          </p:cNvSpPr>
+          <p:nvPr>
+            <p:ph idx="1"/>
+          </p:nvPr>
+        </p:nvSpPr>
+        <p:spPr/>
+        <p:txBody>
+          <a:bodyPr/>
+          <a:lstStyle/>
+          <a:p>
+            <a:pPr lvl="1"/>
+            <a:r>
+              <a:rPr lang="it-IT" dirty="0"/>
+              <a:t>Da dove partivamo</a:t>
+            </a:r>
+          </a:p>
+          <a:p>
+            <a:pPr lvl="2"/>
+            <a:r>
+              <a:rPr lang="it-IT" dirty="0"/>
+              <a:t>Partiti da una competenza gestionale nulla, siamo giunti al termine del primo periodo di progetto con un impianto normativo sommario e procedure di gestione del </a:t>
+            </a:r>
+            <a:r>
+              <a:rPr lang="it-IT" dirty="0" err="1"/>
+              <a:t>ticketing</a:t>
+            </a:r>
+            <a:r>
+              <a:rPr lang="it-IT" dirty="0"/>
+              <a:t> e dei rischi inadeguate </a:t>
+            </a:r>
+          </a:p>
+          <a:p>
+            <a:pPr lvl="1"/>
+            <a:r>
+              <a:rPr lang="it-IT" dirty="0"/>
+              <a:t>Che cosa abbiamo migliorato</a:t>
+            </a:r>
+          </a:p>
+          <a:p>
+            <a:pPr lvl="2"/>
+            <a:r>
+              <a:rPr lang="it-IT" dirty="0"/>
+              <a:t>L’ampliamento di alcuni aspetti normativi, la revisione della pianificazione e la selezione e maggiore comprensione di opportune tecnologie hanno reso più agevole, precisa ed efficace la gestione di progetto</a:t>
+            </a:r>
+          </a:p>
+          <a:p>
+            <a:pPr lvl="1"/>
+            <a:r>
+              <a:rPr lang="it-IT" dirty="0"/>
+              <a:t>Che cosa rimane da migliorare</a:t>
+            </a:r>
+          </a:p>
+          <a:p>
+            <a:pPr lvl="2"/>
+            <a:r>
+              <a:rPr lang="it-IT" dirty="0"/>
+              <a:t>Rimane margine di miglioramento sul coordinamento interno del gruppo</a:t>
+            </a:r>
+          </a:p>
+        </p:txBody>
+      </p:sp>
+    </p:spTree>
+    <p:extLst>
+      <p:ext uri="{BB962C8B-B14F-4D97-AF65-F5344CB8AC3E}">
+        <p14:creationId xmlns:p14="http://schemas.microsoft.com/office/powerpoint/2010/main" val="432782468"/>
+      </p:ext>
+    </p:extLst>
+  </p:cSld>
+  <p:clrMapOvr>
+    <a:masterClrMapping/>
+  </p:clrMapOvr>
+</p:sld>
+</file>
+
+<file path=ppt/slides/slide11.xml><?xml version="1.0" encoding="utf-8"?>
+<p:sld xmlns:a="http://schemas.openxmlformats.org/drawingml/2006/main" xmlns:r="http://schemas.openxmlformats.org/officeDocument/2006/relationships" xmlns:p="http://schemas.openxmlformats.org/presentationml/2006/main">
+  <p:cSld>
+    <p:spTree>
+      <p:nvGrpSpPr>
+        <p:cNvPr id="1" name=""/>
+        <p:cNvGrpSpPr/>
+        <p:nvPr/>
+      </p:nvGrpSpPr>
+      <p:grpSpPr>
+        <a:xfrm>
+          <a:off x="0" y="0"/>
+          <a:ext cx="0" cy="0"/>
+          <a:chOff x="0" y="0"/>
+          <a:chExt cx="0" cy="0"/>
+        </a:xfrm>
+      </p:grpSpPr>
+      <p:sp>
+        <p:nvSpPr>
+          <p:cNvPr id="2" name="Titolo 1">
+            <a:extLst>
+              <a:ext uri="{FF2B5EF4-FFF2-40B4-BE49-F238E27FC236}">
+                <a16:creationId xmlns:a16="http://schemas.microsoft.com/office/drawing/2014/main" id="{B0E23E67-919F-4D7C-B8B1-8744B0CA6437}"/>
+              </a:ext>
+            </a:extLst>
+          </p:cNvPr>
+          <p:cNvSpPr>
+            <a:spLocks noGrp="1"/>
+          </p:cNvSpPr>
+          <p:nvPr>
+            <p:ph type="title"/>
+          </p:nvPr>
+        </p:nvSpPr>
+        <p:spPr/>
+        <p:txBody>
+          <a:bodyPr/>
+          <a:lstStyle/>
+          <a:p>
+            <a:r>
+              <a:rPr lang="it-IT" dirty="0"/>
+              <a:t>Sviluppo</a:t>
+            </a:r>
+          </a:p>
+        </p:txBody>
+      </p:sp>
+      <p:sp>
+        <p:nvSpPr>
+          <p:cNvPr id="3" name="Segnaposto contenuto 2">
+            <a:extLst>
+              <a:ext uri="{FF2B5EF4-FFF2-40B4-BE49-F238E27FC236}">
+                <a16:creationId xmlns:a16="http://schemas.microsoft.com/office/drawing/2014/main" id="{B86D7D4A-CEA0-47AE-8B15-259CDADC3D24}"/>
+              </a:ext>
+            </a:extLst>
+          </p:cNvPr>
+          <p:cNvSpPr>
+            <a:spLocks noGrp="1"/>
+          </p:cNvSpPr>
+          <p:nvPr>
+            <p:ph idx="1"/>
+          </p:nvPr>
+        </p:nvSpPr>
+        <p:spPr/>
+        <p:txBody>
+          <a:bodyPr>
+            <a:normAutofit/>
+          </a:bodyPr>
+          <a:lstStyle/>
+          <a:p>
+            <a:pPr lvl="1"/>
+            <a:endParaRPr lang="it-IT" dirty="0"/>
+          </a:p>
+          <a:p>
+            <a:pPr lvl="1"/>
+            <a:r>
+              <a:rPr lang="it-IT" dirty="0"/>
+              <a:t>Da dove partivamo</a:t>
+            </a:r>
+          </a:p>
+          <a:p>
+            <a:pPr lvl="2"/>
+            <a:r>
+              <a:rPr lang="it-IT" dirty="0"/>
+              <a:t>Partiti da una scarsa esperienza di sviluppo, siamo giunti al termine del primo periodo di progetto con un impianto normativo impreciso e uno studio delle tecnologie approssimativo</a:t>
+            </a:r>
+          </a:p>
+          <a:p>
+            <a:pPr lvl="1"/>
+            <a:r>
+              <a:rPr lang="it-IT" dirty="0"/>
+              <a:t>Che cosa abbiamo migliorato</a:t>
+            </a:r>
+          </a:p>
+          <a:p>
+            <a:pPr lvl="2"/>
+            <a:r>
+              <a:rPr lang="it-IT" dirty="0"/>
+              <a:t>Si è accertato in maniera soddisfacente l’integrabilità delle tecnologie e la loro coerenza con gli obiettivi di progetto</a:t>
+            </a:r>
+          </a:p>
+          <a:p>
+            <a:pPr lvl="1"/>
+            <a:r>
+              <a:rPr lang="it-IT" dirty="0"/>
+              <a:t>Che cosa rimane da migliorare</a:t>
+            </a:r>
+          </a:p>
+          <a:p>
+            <a:pPr lvl="2"/>
+            <a:r>
+              <a:rPr lang="it-IT" dirty="0"/>
+              <a:t>In base all’esperienza del </a:t>
+            </a:r>
+            <a:r>
+              <a:rPr lang="it-IT" dirty="0" err="1"/>
+              <a:t>PoC</a:t>
+            </a:r>
+            <a:r>
+              <a:rPr lang="it-IT" dirty="0"/>
+              <a:t> sono emerse difficoltà nel definire un’unità software e di conseguenza nel coordinamento degli sviluppatori </a:t>
+            </a:r>
+          </a:p>
+          <a:p>
+            <a:pPr marL="0" indent="0">
+              <a:buNone/>
+            </a:pPr>
+            <a:endParaRPr lang="it-IT" dirty="0"/>
+          </a:p>
+        </p:txBody>
+      </p:sp>
+    </p:spTree>
+    <p:extLst>
+      <p:ext uri="{BB962C8B-B14F-4D97-AF65-F5344CB8AC3E}">
+        <p14:creationId xmlns:p14="http://schemas.microsoft.com/office/powerpoint/2010/main" val="100416711"/>
+      </p:ext>
+    </p:extLst>
+  </p:cSld>
+  <p:clrMapOvr>
+    <a:masterClrMapping/>
+  </p:clrMapOvr>
+</p:sld>
+</file>
+
+<file path=ppt/slides/slide12.xml><?xml version="1.0" encoding="utf-8"?>
+<p:sld xmlns:a="http://schemas.openxmlformats.org/drawingml/2006/main" xmlns:r="http://schemas.openxmlformats.org/officeDocument/2006/relationships" xmlns:p="http://schemas.openxmlformats.org/presentationml/2006/main">
+  <p:cSld>
+    <p:spTree>
+      <p:nvGrpSpPr>
+        <p:cNvPr id="1" name=""/>
+        <p:cNvGrpSpPr/>
+        <p:nvPr/>
+      </p:nvGrpSpPr>
+      <p:grpSpPr>
+        <a:xfrm>
+          <a:off x="0" y="0"/>
+          <a:ext cx="0" cy="0"/>
+          <a:chOff x="0" y="0"/>
+          <a:chExt cx="0" cy="0"/>
+        </a:xfrm>
+      </p:grpSpPr>
+      <p:sp>
+        <p:nvSpPr>
+          <p:cNvPr id="4" name="Titolo 1">
+            <a:extLst>
+              <a:ext uri="{FF2B5EF4-FFF2-40B4-BE49-F238E27FC236}">
+                <a16:creationId xmlns:a16="http://schemas.microsoft.com/office/drawing/2014/main" id="{6EE452CE-F067-4050-8C33-62DB09194AA3}"/>
+              </a:ext>
+            </a:extLst>
+          </p:cNvPr>
+          <p:cNvSpPr>
+            <a:spLocks noGrp="1"/>
+          </p:cNvSpPr>
+          <p:nvPr>
+            <p:ph type="title"/>
+          </p:nvPr>
+        </p:nvSpPr>
+        <p:spPr>
+          <a:xfrm>
+            <a:off x="838200" y="2766218"/>
+            <a:ext cx="10515600" cy="1325563"/>
+          </a:xfrm>
+        </p:spPr>
+        <p:txBody>
+          <a:bodyPr/>
+          <a:lstStyle/>
+          <a:p>
+            <a:r>
+              <a:rPr lang="it-IT" dirty="0"/>
+              <a:t>Consuntivo di periodo RR-RP e preventivo a finire</a:t>
+            </a:r>
+          </a:p>
+        </p:txBody>
+      </p:sp>
+    </p:spTree>
+    <p:extLst>
+      <p:ext uri="{BB962C8B-B14F-4D97-AF65-F5344CB8AC3E}">
+        <p14:creationId xmlns:p14="http://schemas.microsoft.com/office/powerpoint/2010/main" val="475190"/>
+      </p:ext>
+    </p:extLst>
+  </p:cSld>
+  <p:clrMapOvr>
+    <a:masterClrMapping/>
+  </p:clrMapOvr>
+</p:sld>
+</file>
+
+<file path=ppt/slides/slide13.xml><?xml version="1.0" encoding="utf-8"?>
+<p:sld xmlns:a="http://schemas.openxmlformats.org/drawingml/2006/main" xmlns:r="http://schemas.openxmlformats.org/officeDocument/2006/relationships" xmlns:p="http://schemas.openxmlformats.org/presentationml/2006/main">
+  <p:cSld>
+    <p:spTree>
+      <p:nvGrpSpPr>
+        <p:cNvPr id="1" name=""/>
+        <p:cNvGrpSpPr/>
+        <p:nvPr/>
+      </p:nvGrpSpPr>
+      <p:grpSpPr>
+        <a:xfrm>
+          <a:off x="0" y="0"/>
+          <a:ext cx="0" cy="0"/>
+          <a:chOff x="0" y="0"/>
+          <a:chExt cx="0" cy="0"/>
+        </a:xfrm>
+      </p:grpSpPr>
+      <p:sp>
+        <p:nvSpPr>
+          <p:cNvPr id="6" name="Titolo 1">
+            <a:extLst>
+              <a:ext uri="{FF2B5EF4-FFF2-40B4-BE49-F238E27FC236}">
+                <a16:creationId xmlns:a16="http://schemas.microsoft.com/office/drawing/2014/main" id="{77DC8D2D-7EF7-4BEB-B832-D470C739E987}"/>
+              </a:ext>
+            </a:extLst>
+          </p:cNvPr>
+          <p:cNvSpPr>
+            <a:spLocks noGrp="1"/>
+          </p:cNvSpPr>
+          <p:nvPr>
+            <p:ph type="title"/>
+          </p:nvPr>
+        </p:nvSpPr>
+        <p:spPr>
+          <a:xfrm>
+            <a:off x="838200" y="365125"/>
+            <a:ext cx="10515600" cy="1325563"/>
+          </a:xfrm>
+        </p:spPr>
+        <p:txBody>
+          <a:bodyPr/>
+          <a:lstStyle/>
+          <a:p>
+            <a:r>
+              <a:rPr lang="it-IT" dirty="0"/>
+              <a:t>Consuntivo di periodo RR</a:t>
+            </a:r>
+          </a:p>
+        </p:txBody>
+      </p:sp>
+      <p:sp>
+        <p:nvSpPr>
+          <p:cNvPr id="7" name="Segnaposto contenuto 2">
+            <a:extLst>
+              <a:ext uri="{FF2B5EF4-FFF2-40B4-BE49-F238E27FC236}">
+                <a16:creationId xmlns:a16="http://schemas.microsoft.com/office/drawing/2014/main" id="{86F4650E-CF8D-41E0-B719-992F535FFABA}"/>
+              </a:ext>
+            </a:extLst>
+          </p:cNvPr>
+          <p:cNvSpPr>
+            <a:spLocks noGrp="1"/>
+          </p:cNvSpPr>
+          <p:nvPr>
+            <p:ph idx="1"/>
+          </p:nvPr>
+        </p:nvSpPr>
+        <p:spPr>
+          <a:xfrm>
+            <a:off x="838200" y="1825625"/>
+            <a:ext cx="10515600" cy="4351338"/>
+          </a:xfrm>
+        </p:spPr>
+        <p:txBody>
+          <a:bodyPr/>
+          <a:lstStyle/>
+          <a:p>
+            <a:r>
+              <a:rPr lang="it-IT" dirty="0"/>
+              <a:t>Inserire Tabella Consuntivo (Piano di Progetto versione vecchia)</a:t>
+            </a:r>
+          </a:p>
+        </p:txBody>
+      </p:sp>
+    </p:spTree>
+    <p:extLst>
+      <p:ext uri="{BB962C8B-B14F-4D97-AF65-F5344CB8AC3E}">
+        <p14:creationId xmlns:p14="http://schemas.microsoft.com/office/powerpoint/2010/main" val="1189472313"/>
+      </p:ext>
+    </p:extLst>
+  </p:cSld>
+  <p:clrMapOvr>
+    <a:masterClrMapping/>
+  </p:clrMapOvr>
+</p:sld>
+</file>
+
+<file path=ppt/slides/slide14.xml><?xml version="1.0" encoding="utf-8"?>
+<p:sld xmlns:a="http://schemas.openxmlformats.org/drawingml/2006/main" xmlns:r="http://schemas.openxmlformats.org/officeDocument/2006/relationships" xmlns:p="http://schemas.openxmlformats.org/presentationml/2006/main">
+  <p:cSld>
+    <p:spTree>
+      <p:nvGrpSpPr>
+        <p:cNvPr id="1" name=""/>
+        <p:cNvGrpSpPr/>
+        <p:nvPr/>
+      </p:nvGrpSpPr>
+      <p:grpSpPr>
+        <a:xfrm>
+          <a:off x="0" y="0"/>
+          <a:ext cx="0" cy="0"/>
+          <a:chOff x="0" y="0"/>
+          <a:chExt cx="0" cy="0"/>
+        </a:xfrm>
+      </p:grpSpPr>
+      <p:sp>
+        <p:nvSpPr>
+          <p:cNvPr id="2" name="Titolo 1">
+            <a:extLst>
+              <a:ext uri="{FF2B5EF4-FFF2-40B4-BE49-F238E27FC236}">
+                <a16:creationId xmlns:a16="http://schemas.microsoft.com/office/drawing/2014/main" id="{C5D74529-EA71-4962-9118-831AAB7665AD}"/>
+              </a:ext>
+            </a:extLst>
+          </p:cNvPr>
+          <p:cNvSpPr>
+            <a:spLocks noGrp="1"/>
+          </p:cNvSpPr>
+          <p:nvPr>
+            <p:ph type="title"/>
+          </p:nvPr>
+        </p:nvSpPr>
+        <p:spPr/>
+        <p:txBody>
+          <a:bodyPr/>
+          <a:lstStyle/>
+          <a:p>
+            <a:r>
+              <a:rPr lang="it-IT" dirty="0"/>
+              <a:t>Consuntivo di periodo RP</a:t>
+            </a:r>
+          </a:p>
+        </p:txBody>
+      </p:sp>
+      <p:sp>
+        <p:nvSpPr>
+          <p:cNvPr id="3" name="Segnaposto contenuto 2">
+            <a:extLst>
+              <a:ext uri="{FF2B5EF4-FFF2-40B4-BE49-F238E27FC236}">
+                <a16:creationId xmlns:a16="http://schemas.microsoft.com/office/drawing/2014/main" id="{41BA70BE-AC6E-46B5-9F20-3FE74E0894B4}"/>
+              </a:ext>
+            </a:extLst>
+          </p:cNvPr>
+          <p:cNvSpPr>
+            <a:spLocks noGrp="1"/>
+          </p:cNvSpPr>
+          <p:nvPr>
+            <p:ph idx="1"/>
+          </p:nvPr>
+        </p:nvSpPr>
+        <p:spPr/>
+        <p:txBody>
+          <a:bodyPr/>
+          <a:lstStyle/>
+          <a:p>
+            <a:r>
+              <a:rPr lang="it-IT" dirty="0"/>
+              <a:t>Inserire Tabella Consuntivo (Piano di Progetto)</a:t>
+            </a:r>
+          </a:p>
+        </p:txBody>
+      </p:sp>
+    </p:spTree>
+    <p:extLst>
+      <p:ext uri="{BB962C8B-B14F-4D97-AF65-F5344CB8AC3E}">
+        <p14:creationId xmlns:p14="http://schemas.microsoft.com/office/powerpoint/2010/main" val="2572326625"/>
+      </p:ext>
+    </p:extLst>
+  </p:cSld>
+  <p:clrMapOvr>
+    <a:masterClrMapping/>
+  </p:clrMapOvr>
+</p:sld>
+</file>
+
+<file path=ppt/slides/slide15.xml><?xml version="1.0" encoding="utf-8"?>
+<p:sld xmlns:a="http://schemas.openxmlformats.org/drawingml/2006/main" xmlns:r="http://schemas.openxmlformats.org/officeDocument/2006/relationships" xmlns:p="http://schemas.openxmlformats.org/presentationml/2006/main">
+  <p:cSld>
+    <p:spTree>
+      <p:nvGrpSpPr>
+        <p:cNvPr id="1" name=""/>
+        <p:cNvGrpSpPr/>
+        <p:nvPr/>
+      </p:nvGrpSpPr>
+      <p:grpSpPr>
+        <a:xfrm>
+          <a:off x="0" y="0"/>
+          <a:ext cx="0" cy="0"/>
+          <a:chOff x="0" y="0"/>
+          <a:chExt cx="0" cy="0"/>
+        </a:xfrm>
+      </p:grpSpPr>
+      <p:sp>
+        <p:nvSpPr>
+          <p:cNvPr id="2" name="Titolo 1">
+            <a:extLst>
+              <a:ext uri="{FF2B5EF4-FFF2-40B4-BE49-F238E27FC236}">
+                <a16:creationId xmlns:a16="http://schemas.microsoft.com/office/drawing/2014/main" id="{4ADFB5C6-B9CE-4B6E-B7DC-256C3BCD62C7}"/>
+              </a:ext>
+            </a:extLst>
+          </p:cNvPr>
+          <p:cNvSpPr>
+            <a:spLocks noGrp="1"/>
+          </p:cNvSpPr>
+          <p:nvPr>
+            <p:ph type="title"/>
+          </p:nvPr>
+        </p:nvSpPr>
+        <p:spPr/>
+        <p:txBody>
+          <a:bodyPr/>
+          <a:lstStyle/>
+          <a:p>
+            <a:r>
+              <a:rPr lang="it-IT" dirty="0"/>
+              <a:t>Preventivo a finire</a:t>
+            </a:r>
+          </a:p>
+        </p:txBody>
+      </p:sp>
+      <p:sp>
+        <p:nvSpPr>
+          <p:cNvPr id="3" name="Segnaposto contenuto 2">
+            <a:extLst>
+              <a:ext uri="{FF2B5EF4-FFF2-40B4-BE49-F238E27FC236}">
+                <a16:creationId xmlns:a16="http://schemas.microsoft.com/office/drawing/2014/main" id="{4173CDC2-BF59-440A-A9F3-5E393A2EEF03}"/>
+              </a:ext>
+            </a:extLst>
+          </p:cNvPr>
+          <p:cNvSpPr>
+            <a:spLocks noGrp="1"/>
+          </p:cNvSpPr>
+          <p:nvPr>
+            <p:ph idx="1"/>
+          </p:nvPr>
+        </p:nvSpPr>
+        <p:spPr/>
+        <p:txBody>
+          <a:bodyPr/>
+          <a:lstStyle/>
+          <a:p>
+            <a:r>
+              <a:rPr lang="it-IT" dirty="0"/>
+              <a:t>Inserire Tabella Preventivo a finire (Piano di Progetto)</a:t>
+            </a:r>
+          </a:p>
+          <a:p>
+            <a:endParaRPr lang="it-IT" dirty="0"/>
+          </a:p>
+        </p:txBody>
+      </p:sp>
+    </p:spTree>
+    <p:extLst>
+      <p:ext uri="{BB962C8B-B14F-4D97-AF65-F5344CB8AC3E}">
+        <p14:creationId xmlns:p14="http://schemas.microsoft.com/office/powerpoint/2010/main" val="1279573620"/>
       </p:ext>
     </p:extLst>
   </p:cSld>
@@ -3434,10 +4055,10 @@
       </p:grpSpPr>
       <p:sp>
         <p:nvSpPr>
-          <p:cNvPr id="5" name="Titolo 1">
-            <a:extLst>
-              <a:ext uri="{FF2B5EF4-FFF2-40B4-BE49-F238E27FC236}">
-                <a16:creationId xmlns:a16="http://schemas.microsoft.com/office/drawing/2014/main" id="{8900123E-2BB3-4B95-ABDE-702B4800543F}"/>
+          <p:cNvPr id="2" name="Titolo 1">
+            <a:extLst>
+              <a:ext uri="{FF2B5EF4-FFF2-40B4-BE49-F238E27FC236}">
+                <a16:creationId xmlns:a16="http://schemas.microsoft.com/office/drawing/2014/main" id="{91C4B672-358C-487F-BAAE-B014E36167FB}"/>
               </a:ext>
             </a:extLst>
           </p:cNvPr>
@@ -3448,31 +4069,24 @@
             <p:ph type="title"/>
           </p:nvPr>
         </p:nvSpPr>
-        <p:spPr>
-          <a:xfrm>
-            <a:off x="502640" y="593418"/>
-            <a:ext cx="10515600" cy="1325563"/>
-          </a:xfrm>
-        </p:spPr>
-        <p:txBody>
-          <a:bodyPr>
-            <a:normAutofit/>
-          </a:bodyPr>
-          <a:lstStyle/>
-          <a:p>
-            <a:r>
-              <a:rPr lang="it-IT" dirty="0"/>
-              <a:t>Raffinamento nella comprensione degli obiettivi di progetto</a:t>
-            </a:r>
-          </a:p>
-        </p:txBody>
-      </p:sp>
-      <p:sp>
-        <p:nvSpPr>
-          <p:cNvPr id="6" name="Segnaposto contenuto 2">
-            <a:extLst>
-              <a:ext uri="{FF2B5EF4-FFF2-40B4-BE49-F238E27FC236}">
-                <a16:creationId xmlns:a16="http://schemas.microsoft.com/office/drawing/2014/main" id="{0A4A85F6-3D53-41A1-9F3C-C67EF8FB1855}"/>
+        <p:spPr/>
+        <p:txBody>
+          <a:bodyPr/>
+          <a:lstStyle/>
+          <a:p>
+            <a:r>
+              <a:rPr lang="it-IT" dirty="0"/>
+              <a:t>Indice</a:t>
+            </a:r>
+          </a:p>
+        </p:txBody>
+      </p:sp>
+      <p:sp>
+        <p:nvSpPr>
+          <p:cNvPr id="3" name="Segnaposto contenuto 2">
+            <a:extLst>
+              <a:ext uri="{FF2B5EF4-FFF2-40B4-BE49-F238E27FC236}">
+                <a16:creationId xmlns:a16="http://schemas.microsoft.com/office/drawing/2014/main" id="{857D87E4-9797-4220-A2A3-9FDE31C0279A}"/>
               </a:ext>
             </a:extLst>
           </p:cNvPr>
@@ -3483,60 +4097,32 @@
             <p:ph idx="1"/>
           </p:nvPr>
         </p:nvSpPr>
-        <p:spPr>
-          <a:xfrm>
-            <a:off x="502640" y="2043739"/>
-            <a:ext cx="10515600" cy="4351338"/>
-          </a:xfrm>
-        </p:spPr>
-        <p:txBody>
-          <a:bodyPr/>
-          <a:lstStyle/>
-          <a:p>
-            <a:pPr marL="0" indent="0">
-              <a:buNone/>
-            </a:pPr>
-            <a:r>
-              <a:rPr lang="it-IT" dirty="0"/>
-              <a:t>In questo periodo il gruppo ha studiato e selezionato le tecnologie più adatte alla realizzazione del progetto, attività culminate nella produzione di un </a:t>
-            </a:r>
-            <a:r>
-              <a:rPr lang="it-IT" dirty="0" err="1"/>
-              <a:t>PoC</a:t>
-            </a:r>
-            <a:r>
-              <a:rPr lang="it-IT" dirty="0"/>
-              <a:t>. </a:t>
-            </a:r>
-          </a:p>
-          <a:p>
-            <a:pPr marL="0" indent="0">
-              <a:buNone/>
-            </a:pPr>
-            <a:r>
-              <a:rPr lang="it-IT" dirty="0"/>
-              <a:t>Ciò ha aiutato il raffinamento degli obiettivi di progetto in termini di:</a:t>
-            </a:r>
-          </a:p>
-          <a:p>
-            <a:pPr lvl="1"/>
-            <a:r>
-              <a:rPr lang="it-IT" dirty="0"/>
-              <a:t>Requisiti  -&gt; accertamento di fattibilità della maggior parte dei requisiti prefissati e necessità di confronto con la Proponente rispetto a dubbi sorti</a:t>
-            </a:r>
-          </a:p>
-          <a:p>
-            <a:pPr lvl="1"/>
-            <a:r>
-              <a:rPr lang="it-IT" dirty="0"/>
-              <a:t>Qualità	 -&gt; comprensione della necessità di misurazioni metriche stringenti e di come impostare le stesse per il conseguimento degli obiettivi di qualità</a:t>
-            </a:r>
-          </a:p>
-          <a:p>
-            <a:pPr lvl="1"/>
-            <a:r>
-              <a:rPr lang="it-IT" dirty="0"/>
-              <a:t>Fattibilità -&gt; accertamento di fattibilità in termini di risorse temporali </a:t>
+        <p:spPr/>
+        <p:txBody>
+          <a:bodyPr/>
+          <a:lstStyle/>
+          <a:p>
+            <a:r>
+              <a:rPr lang="it-IT" dirty="0"/>
+              <a:t>Raffinamento della comprensione degli obiettivi di progetto</a:t>
+            </a:r>
+          </a:p>
+          <a:p>
+            <a:r>
+              <a:rPr lang="it-IT" dirty="0"/>
+              <a:t>Modifiche migliorative effettuate a seguito della RR</a:t>
+            </a:r>
+          </a:p>
+          <a:p>
+            <a:r>
+              <a:rPr lang="it-IT" dirty="0"/>
+              <a:t>Auto-valutazione dell'andamento generale del progetto</a:t>
+            </a:r>
+          </a:p>
+          <a:p>
+            <a:r>
+              <a:rPr lang="it-IT" dirty="0"/>
+              <a:t>Consuntivo di periodo RR-RP e il preventivo a finire</a:t>
             </a:r>
           </a:p>
         </p:txBody>
@@ -3544,7 +4130,7 @@
     </p:spTree>
     <p:extLst>
       <p:ext uri="{BB962C8B-B14F-4D97-AF65-F5344CB8AC3E}">
-        <p14:creationId xmlns:p14="http://schemas.microsoft.com/office/powerpoint/2010/main" val="3245075955"/>
+        <p14:creationId xmlns:p14="http://schemas.microsoft.com/office/powerpoint/2010/main" val="3293741510"/>
       </p:ext>
     </p:extLst>
   </p:cSld>
@@ -3576,7 +4162,7 @@
           <p:cNvPr id="2" name="Titolo 1">
             <a:extLst>
               <a:ext uri="{FF2B5EF4-FFF2-40B4-BE49-F238E27FC236}">
-                <a16:creationId xmlns:a16="http://schemas.microsoft.com/office/drawing/2014/main" id="{A22F64A2-8534-41D6-83F4-67B7C1C72B2C}"/>
+                <a16:creationId xmlns:a16="http://schemas.microsoft.com/office/drawing/2014/main" id="{DFAA1CCE-140B-455C-944A-A56B42BAAF69}"/>
               </a:ext>
             </a:extLst>
           </p:cNvPr>
@@ -3587,108 +4173,27 @@
             <p:ph type="title"/>
           </p:nvPr>
         </p:nvSpPr>
-        <p:spPr/>
-        <p:txBody>
-          <a:bodyPr/>
-          <a:lstStyle/>
-          <a:p>
-            <a:r>
-              <a:rPr lang="it-IT" dirty="0"/>
-              <a:t>Modifiche migliorative effettuate a seguito della RR</a:t>
-            </a:r>
-          </a:p>
-        </p:txBody>
-      </p:sp>
-      <p:sp>
-        <p:nvSpPr>
-          <p:cNvPr id="3" name="Segnaposto contenuto 2">
-            <a:extLst>
-              <a:ext uri="{FF2B5EF4-FFF2-40B4-BE49-F238E27FC236}">
-                <a16:creationId xmlns:a16="http://schemas.microsoft.com/office/drawing/2014/main" id="{4407F7C6-B68D-4BB7-8A78-77B721E247FB}"/>
-              </a:ext>
-            </a:extLst>
-          </p:cNvPr>
-          <p:cNvSpPr>
-            <a:spLocks noGrp="1"/>
-          </p:cNvSpPr>
-          <p:nvPr>
-            <p:ph idx="1"/>
-          </p:nvPr>
-        </p:nvSpPr>
-        <p:spPr/>
-        <p:txBody>
-          <a:bodyPr/>
-          <a:lstStyle/>
-          <a:p>
-            <a:pPr marL="971550" lvl="1" indent="-514350">
-              <a:buFont typeface="+mj-lt"/>
-              <a:buAutoNum type="arabicPeriod"/>
-            </a:pPr>
-            <a:r>
-              <a:rPr lang="it-IT" dirty="0"/>
-              <a:t>Eliminata a livello normativo l’ambiguità tra prodotti e processi e chiarita la relazione tra processi primari e di supporto</a:t>
-            </a:r>
-          </a:p>
-          <a:p>
-            <a:pPr marL="971550" lvl="1" indent="-514350">
-              <a:buFont typeface="+mj-lt"/>
-              <a:buAutoNum type="arabicPeriod"/>
-            </a:pPr>
-            <a:r>
-              <a:rPr lang="it-IT" dirty="0"/>
-              <a:t>Ampliamento del dettaglio dei requisiti supportati da diagrammi più precisi ed efficaci</a:t>
-            </a:r>
-          </a:p>
-          <a:p>
-            <a:pPr marL="971550" lvl="1" indent="-514350">
-              <a:buFont typeface="+mj-lt"/>
-              <a:buAutoNum type="arabicPeriod"/>
-            </a:pPr>
-            <a:r>
-              <a:rPr lang="it-IT" dirty="0"/>
-              <a:t>Rivista la pianificazione in modo da renderla coerente con il modello di sviluppo scelto</a:t>
-            </a:r>
-          </a:p>
-          <a:p>
-            <a:pPr marL="971550" lvl="1" indent="-514350">
-              <a:buFont typeface="+mj-lt"/>
-              <a:buAutoNum type="arabicPeriod"/>
-            </a:pPr>
-            <a:r>
-              <a:rPr lang="it-IT" dirty="0"/>
-              <a:t>In ambito di qualità, eliminata l’ambiguità con alcuni elementi di carattere normativo ed aumentata la profondità delle strategie, in particolare di quelle riguardanti il conseguimento degli obiettivi di qualità</a:t>
-            </a:r>
-          </a:p>
-          <a:p>
-            <a:pPr marL="971550" lvl="1" indent="-514350">
-              <a:buFont typeface="+mj-lt"/>
-              <a:buAutoNum type="arabicPeriod"/>
-            </a:pPr>
-            <a:r>
-              <a:rPr lang="it-IT" dirty="0"/>
-              <a:t>Ristrutturazione profonda dei documenti in base al feedback ricevuto</a:t>
-            </a:r>
-          </a:p>
-          <a:p>
-            <a:pPr marL="514350" indent="-514350">
-              <a:buFont typeface="+mj-lt"/>
-              <a:buAutoNum type="arabicPeriod"/>
-            </a:pPr>
-            <a:endParaRPr lang="it-IT" dirty="0"/>
-          </a:p>
-          <a:p>
-            <a:pPr marL="514350" indent="-514350">
-              <a:buFont typeface="+mj-lt"/>
-              <a:buAutoNum type="arabicPeriod"/>
-            </a:pPr>
-            <a:endParaRPr lang="it-IT" dirty="0"/>
+        <p:spPr>
+          <a:xfrm>
+            <a:off x="838200" y="2766218"/>
+            <a:ext cx="10515600" cy="1325563"/>
+          </a:xfrm>
+        </p:spPr>
+        <p:txBody>
+          <a:bodyPr/>
+          <a:lstStyle/>
+          <a:p>
+            <a:r>
+              <a:rPr lang="it-IT" dirty="0"/>
+              <a:t>Raffinamento della comprensione degli obiettivi di progetto</a:t>
+            </a:r>
           </a:p>
         </p:txBody>
       </p:sp>
     </p:spTree>
     <p:extLst>
       <p:ext uri="{BB962C8B-B14F-4D97-AF65-F5344CB8AC3E}">
-        <p14:creationId xmlns:p14="http://schemas.microsoft.com/office/powerpoint/2010/main" val="3551480799"/>
+        <p14:creationId xmlns:p14="http://schemas.microsoft.com/office/powerpoint/2010/main" val="280841369"/>
       </p:ext>
     </p:extLst>
   </p:cSld>
@@ -3717,10 +4222,10 @@
       </p:grpSpPr>
       <p:sp>
         <p:nvSpPr>
-          <p:cNvPr id="2" name="Titolo 1">
-            <a:extLst>
-              <a:ext uri="{FF2B5EF4-FFF2-40B4-BE49-F238E27FC236}">
-                <a16:creationId xmlns:a16="http://schemas.microsoft.com/office/drawing/2014/main" id="{2E3FD67E-6083-48A2-843A-D394D12408D8}"/>
+          <p:cNvPr id="5" name="Titolo 1">
+            <a:extLst>
+              <a:ext uri="{FF2B5EF4-FFF2-40B4-BE49-F238E27FC236}">
+                <a16:creationId xmlns:a16="http://schemas.microsoft.com/office/drawing/2014/main" id="{8900123E-2BB3-4B95-ABDE-702B4800543F}"/>
               </a:ext>
             </a:extLst>
           </p:cNvPr>
@@ -3731,7 +4236,12 @@
             <p:ph type="title"/>
           </p:nvPr>
         </p:nvSpPr>
-        <p:spPr/>
+        <p:spPr>
+          <a:xfrm>
+            <a:off x="502640" y="593418"/>
+            <a:ext cx="10515600" cy="1325563"/>
+          </a:xfrm>
+        </p:spPr>
         <p:txBody>
           <a:bodyPr>
             <a:normAutofit/>
@@ -3740,17 +4250,17 @@
           <a:p>
             <a:r>
               <a:rPr lang="it-IT" dirty="0"/>
-              <a:t>Auto-valutazione dell'andamento generale del progetto</a:t>
-            </a:r>
-          </a:p>
-        </p:txBody>
-      </p:sp>
-      <p:sp>
-        <p:nvSpPr>
-          <p:cNvPr id="3" name="Segnaposto contenuto 2">
-            <a:extLst>
-              <a:ext uri="{FF2B5EF4-FFF2-40B4-BE49-F238E27FC236}">
-                <a16:creationId xmlns:a16="http://schemas.microsoft.com/office/drawing/2014/main" id="{68DA291D-05E5-44B4-8E05-5636C4311013}"/>
+              <a:t>Raffinamento della comprensione degli obiettivi di progetto</a:t>
+            </a:r>
+          </a:p>
+        </p:txBody>
+      </p:sp>
+      <p:sp>
+        <p:nvSpPr>
+          <p:cNvPr id="6" name="Segnaposto contenuto 2">
+            <a:extLst>
+              <a:ext uri="{FF2B5EF4-FFF2-40B4-BE49-F238E27FC236}">
+                <a16:creationId xmlns:a16="http://schemas.microsoft.com/office/drawing/2014/main" id="{0A4A85F6-3D53-41A1-9F3C-C67EF8FB1855}"/>
               </a:ext>
             </a:extLst>
           </p:cNvPr>
@@ -3761,70 +4271,22 @@
             <p:ph idx="1"/>
           </p:nvPr>
         </p:nvSpPr>
-        <p:spPr/>
-        <p:txBody>
-          <a:bodyPr>
-            <a:normAutofit fontScale="92500" lnSpcReduction="20000"/>
-          </a:bodyPr>
-          <a:lstStyle/>
-          <a:p>
-            <a:r>
-              <a:rPr lang="it-IT" dirty="0"/>
-              <a:t>Amministrazione</a:t>
-            </a:r>
-          </a:p>
-          <a:p>
-            <a:pPr lvl="1"/>
-            <a:r>
-              <a:rPr lang="it-IT" dirty="0"/>
-              <a:t>La revisione di alcuni aspetti normativi e delle strategie di conseguimento della qualità hanno reso più agevole, precisa ed efficace l’amministrazione</a:t>
-            </a:r>
-          </a:p>
-          <a:p>
-            <a:pPr lvl="1"/>
-            <a:r>
-              <a:rPr lang="it-IT" dirty="0"/>
-              <a:t>Rimane margine di miglioramento sull’efficacia e sull’efficienza</a:t>
-            </a:r>
-          </a:p>
-          <a:p>
-            <a:r>
-              <a:rPr lang="it-IT" dirty="0"/>
-              <a:t>Gestione		</a:t>
-            </a:r>
-          </a:p>
-          <a:p>
-            <a:pPr lvl="1"/>
-            <a:r>
-              <a:rPr lang="it-IT" dirty="0"/>
-              <a:t>La revisione di alcuni aspetti normativi, della pianificazione, la selezione e maggiore comprensione di opportune tecnologie hanno reso più agevole, precisa ed efficace la gestione</a:t>
-            </a:r>
-          </a:p>
-          <a:p>
-            <a:pPr lvl="1"/>
-            <a:r>
-              <a:rPr lang="it-IT" dirty="0"/>
-              <a:t>Rimane margine di miglioramento sul coordinamento interno del gruppo</a:t>
-            </a:r>
-          </a:p>
-          <a:p>
-            <a:r>
-              <a:rPr lang="it-IT" dirty="0"/>
-              <a:t>Sviluppo</a:t>
-            </a:r>
-          </a:p>
-          <a:p>
-            <a:pPr lvl="1"/>
-            <a:r>
-              <a:rPr lang="it-IT" dirty="0"/>
-              <a:t>Si è accertato in maniera soddisfacente l’integrabilità delle tecnologie e la loro coerenza con gli obiettivi di progetto</a:t>
-            </a:r>
-          </a:p>
-          <a:p>
-            <a:pPr lvl="1"/>
-            <a:r>
-              <a:rPr lang="it-IT" dirty="0"/>
-              <a:t>In base all’esperienza del </a:t>
+        <p:spPr>
+          <a:xfrm>
+            <a:off x="502640" y="2043739"/>
+            <a:ext cx="10515600" cy="4351338"/>
+          </a:xfrm>
+        </p:spPr>
+        <p:txBody>
+          <a:bodyPr/>
+          <a:lstStyle/>
+          <a:p>
+            <a:pPr marL="0" indent="0">
+              <a:buNone/>
+            </a:pPr>
+            <a:r>
+              <a:rPr lang="it-IT" dirty="0"/>
+              <a:t>In questo periodo il gruppo ha studiato e selezionato le tecnologie più adatte alla realizzazione del progetto, attività culminate nella produzione di un </a:t>
             </a:r>
             <a:r>
               <a:rPr lang="it-IT" dirty="0" err="1"/>
@@ -3832,7 +4294,37 @@
             </a:r>
             <a:r>
               <a:rPr lang="it-IT" dirty="0"/>
-              <a:t> sono emerse difficoltà nel definire un’unità software e di conseguenza nel coordinamento degli sviluppatori </a:t>
+              <a:t>. </a:t>
+            </a:r>
+          </a:p>
+          <a:p>
+            <a:pPr marL="0" indent="0">
+              <a:buNone/>
+            </a:pPr>
+            <a:r>
+              <a:rPr lang="it-IT" dirty="0"/>
+              <a:t>Ciò ha aiutato il raffinamento degli obiettivi di progetto in termini di:</a:t>
+            </a:r>
+          </a:p>
+          <a:p>
+            <a:pPr lvl="1"/>
+            <a:r>
+              <a:rPr lang="it-IT" dirty="0"/>
+              <a:t>Requisiti  -&gt; accertamento di fattibilità della maggior parte dei requisiti prefissati e necessità di confronto con la Proponente rispetto a dubbi sorti</a:t>
+            </a:r>
+          </a:p>
+          <a:p>
+            <a:pPr lvl="1"/>
+            <a:r>
+              <a:rPr lang="it-IT" dirty="0"/>
+              <a:t>Qualità	 -&gt; comprensione della necessità di misurazioni metriche stringenti e di come impostare le stesse per il conseguimento degli obiettivi di qualità</a:t>
+            </a:r>
+          </a:p>
+          <a:p>
+            <a:pPr lvl="1"/>
+            <a:r>
+              <a:rPr lang="it-IT" dirty="0"/>
+              <a:t>Fattibilità -&gt; accertamento di fattibilità in termini di risorse temporali </a:t>
             </a:r>
           </a:p>
         </p:txBody>
@@ -3840,7 +4332,7 @@
     </p:spTree>
     <p:extLst>
       <p:ext uri="{BB962C8B-B14F-4D97-AF65-F5344CB8AC3E}">
-        <p14:creationId xmlns:p14="http://schemas.microsoft.com/office/powerpoint/2010/main" val="2879578086"/>
+        <p14:creationId xmlns:p14="http://schemas.microsoft.com/office/powerpoint/2010/main" val="3245075955"/>
       </p:ext>
     </p:extLst>
   </p:cSld>
@@ -3872,7 +4364,7 @@
           <p:cNvPr id="2" name="Titolo 1">
             <a:extLst>
               <a:ext uri="{FF2B5EF4-FFF2-40B4-BE49-F238E27FC236}">
-                <a16:creationId xmlns:a16="http://schemas.microsoft.com/office/drawing/2014/main" id="{C5D74529-EA71-4962-9118-831AAB7665AD}"/>
+                <a16:creationId xmlns:a16="http://schemas.microsoft.com/office/drawing/2014/main" id="{CD8DF582-16AF-4932-A917-65D6CC9D5EFC}"/>
               </a:ext>
             </a:extLst>
           </p:cNvPr>
@@ -3883,42 +4375,19 @@
             <p:ph type="title"/>
           </p:nvPr>
         </p:nvSpPr>
-        <p:spPr/>
-        <p:txBody>
-          <a:bodyPr/>
-          <a:lstStyle/>
-          <a:p>
-            <a:r>
-              <a:rPr lang="it-IT" dirty="0"/>
-              <a:t>Consuntivo di periodo RR-RP e il preventivo a finire</a:t>
-            </a:r>
-          </a:p>
-        </p:txBody>
-      </p:sp>
-      <p:sp>
-        <p:nvSpPr>
-          <p:cNvPr id="3" name="Segnaposto contenuto 2">
-            <a:extLst>
-              <a:ext uri="{FF2B5EF4-FFF2-40B4-BE49-F238E27FC236}">
-                <a16:creationId xmlns:a16="http://schemas.microsoft.com/office/drawing/2014/main" id="{41BA70BE-AC6E-46B5-9F20-3FE74E0894B4}"/>
-              </a:ext>
-            </a:extLst>
-          </p:cNvPr>
-          <p:cNvSpPr>
-            <a:spLocks noGrp="1"/>
-          </p:cNvSpPr>
-          <p:nvPr>
-            <p:ph idx="1"/>
-          </p:nvPr>
-        </p:nvSpPr>
-        <p:spPr/>
-        <p:txBody>
-          <a:bodyPr/>
-          <a:lstStyle/>
-          <a:p>
-            <a:r>
-              <a:rPr lang="it-IT" dirty="0"/>
-              <a:t>Inserire Tabella Consuntivo e Preventivo a finire (Piano di Progetto)</a:t>
+        <p:spPr>
+          <a:xfrm>
+            <a:off x="838200" y="2766218"/>
+            <a:ext cx="10515600" cy="1325563"/>
+          </a:xfrm>
+        </p:spPr>
+        <p:txBody>
+          <a:bodyPr/>
+          <a:lstStyle/>
+          <a:p>
+            <a:r>
+              <a:rPr lang="it-IT" dirty="0"/>
+              <a:t>Modifiche migliorative effettuate a seguito della RR</a:t>
             </a:r>
           </a:p>
         </p:txBody>
@@ -3926,7 +4395,434 @@
     </p:spTree>
     <p:extLst>
       <p:ext uri="{BB962C8B-B14F-4D97-AF65-F5344CB8AC3E}">
-        <p14:creationId xmlns:p14="http://schemas.microsoft.com/office/powerpoint/2010/main" val="2572326625"/>
+        <p14:creationId xmlns:p14="http://schemas.microsoft.com/office/powerpoint/2010/main" val="3594806369"/>
+      </p:ext>
+    </p:extLst>
+  </p:cSld>
+  <p:clrMapOvr>
+    <a:masterClrMapping/>
+  </p:clrMapOvr>
+</p:sld>
+</file>
+
+<file path=ppt/slides/slide6.xml><?xml version="1.0" encoding="utf-8"?>
+<p:sld xmlns:a="http://schemas.openxmlformats.org/drawingml/2006/main" xmlns:r="http://schemas.openxmlformats.org/officeDocument/2006/relationships" xmlns:p="http://schemas.openxmlformats.org/presentationml/2006/main">
+  <p:cSld>
+    <p:spTree>
+      <p:nvGrpSpPr>
+        <p:cNvPr id="1" name=""/>
+        <p:cNvGrpSpPr/>
+        <p:nvPr/>
+      </p:nvGrpSpPr>
+      <p:grpSpPr>
+        <a:xfrm>
+          <a:off x="0" y="0"/>
+          <a:ext cx="0" cy="0"/>
+          <a:chOff x="0" y="0"/>
+          <a:chExt cx="0" cy="0"/>
+        </a:xfrm>
+      </p:grpSpPr>
+      <p:sp>
+        <p:nvSpPr>
+          <p:cNvPr id="2" name="Titolo 1">
+            <a:extLst>
+              <a:ext uri="{FF2B5EF4-FFF2-40B4-BE49-F238E27FC236}">
+                <a16:creationId xmlns:a16="http://schemas.microsoft.com/office/drawing/2014/main" id="{1C23E282-C36F-4AE9-A209-D4E5E0CD87F2}"/>
+              </a:ext>
+            </a:extLst>
+          </p:cNvPr>
+          <p:cNvSpPr>
+            <a:spLocks noGrp="1"/>
+          </p:cNvSpPr>
+          <p:nvPr>
+            <p:ph type="title"/>
+          </p:nvPr>
+        </p:nvSpPr>
+        <p:spPr/>
+        <p:txBody>
+          <a:bodyPr/>
+          <a:lstStyle/>
+          <a:p>
+            <a:r>
+              <a:rPr lang="it-IT" dirty="0"/>
+              <a:t>Modifiche migliorative riguardanti way of </a:t>
+            </a:r>
+            <a:r>
+              <a:rPr lang="it-IT" dirty="0" err="1"/>
+              <a:t>working</a:t>
+            </a:r>
+            <a:r>
+              <a:rPr lang="it-IT" dirty="0"/>
+              <a:t> e requisiti</a:t>
+            </a:r>
+          </a:p>
+        </p:txBody>
+      </p:sp>
+      <p:sp>
+        <p:nvSpPr>
+          <p:cNvPr id="3" name="Segnaposto contenuto 2">
+            <a:extLst>
+              <a:ext uri="{FF2B5EF4-FFF2-40B4-BE49-F238E27FC236}">
+                <a16:creationId xmlns:a16="http://schemas.microsoft.com/office/drawing/2014/main" id="{45848DA2-BA02-4262-BE79-13C8BCDA5DA2}"/>
+              </a:ext>
+            </a:extLst>
+          </p:cNvPr>
+          <p:cNvSpPr>
+            <a:spLocks noGrp="1"/>
+          </p:cNvSpPr>
+          <p:nvPr>
+            <p:ph idx="1"/>
+          </p:nvPr>
+        </p:nvSpPr>
+        <p:spPr/>
+        <p:txBody>
+          <a:bodyPr/>
+          <a:lstStyle/>
+          <a:p>
+            <a:pPr marL="971550" lvl="1" indent="-514350">
+              <a:buFont typeface="+mj-lt"/>
+              <a:buAutoNum type="arabicPeriod"/>
+            </a:pPr>
+            <a:r>
+              <a:rPr lang="it-IT" dirty="0"/>
+              <a:t>Eliminata a livello normativo l’ambiguità tra prodotti e processi e chiarita la relazione tra processi primari e di supporto. In particolare, normata in maniera più dettagliata la gestione di progetto</a:t>
+            </a:r>
+          </a:p>
+          <a:p>
+            <a:pPr marL="971550" lvl="1" indent="-514350">
+              <a:buFont typeface="+mj-lt"/>
+              <a:buAutoNum type="arabicPeriod"/>
+            </a:pPr>
+            <a:r>
+              <a:rPr lang="it-IT" dirty="0"/>
+              <a:t>Ampliamento del dettaglio dei requisiti supportati da diagrammi più precisi ed efficaci</a:t>
+            </a:r>
+          </a:p>
+          <a:p>
+            <a:pPr marL="971550" lvl="1" indent="-514350">
+              <a:buFont typeface="+mj-lt"/>
+              <a:buAutoNum type="arabicPeriod"/>
+            </a:pPr>
+            <a:r>
+              <a:rPr lang="it-IT" dirty="0"/>
+              <a:t>Ristrutturazione profonda dei documenti in base al feedback ricevuto</a:t>
+            </a:r>
+          </a:p>
+          <a:p>
+            <a:pPr marL="457200" lvl="1" indent="0">
+              <a:buNone/>
+            </a:pPr>
+            <a:endParaRPr lang="it-IT" dirty="0"/>
+          </a:p>
+        </p:txBody>
+      </p:sp>
+    </p:spTree>
+    <p:extLst>
+      <p:ext uri="{BB962C8B-B14F-4D97-AF65-F5344CB8AC3E}">
+        <p14:creationId xmlns:p14="http://schemas.microsoft.com/office/powerpoint/2010/main" val="835940544"/>
+      </p:ext>
+    </p:extLst>
+  </p:cSld>
+  <p:clrMapOvr>
+    <a:masterClrMapping/>
+  </p:clrMapOvr>
+</p:sld>
+</file>
+
+<file path=ppt/slides/slide7.xml><?xml version="1.0" encoding="utf-8"?>
+<p:sld xmlns:a="http://schemas.openxmlformats.org/drawingml/2006/main" xmlns:r="http://schemas.openxmlformats.org/officeDocument/2006/relationships" xmlns:p="http://schemas.openxmlformats.org/presentationml/2006/main">
+  <p:cSld>
+    <p:spTree>
+      <p:nvGrpSpPr>
+        <p:cNvPr id="1" name=""/>
+        <p:cNvGrpSpPr/>
+        <p:nvPr/>
+      </p:nvGrpSpPr>
+      <p:grpSpPr>
+        <a:xfrm>
+          <a:off x="0" y="0"/>
+          <a:ext cx="0" cy="0"/>
+          <a:chOff x="0" y="0"/>
+          <a:chExt cx="0" cy="0"/>
+        </a:xfrm>
+      </p:grpSpPr>
+      <p:sp>
+        <p:nvSpPr>
+          <p:cNvPr id="2" name="Titolo 1">
+            <a:extLst>
+              <a:ext uri="{FF2B5EF4-FFF2-40B4-BE49-F238E27FC236}">
+                <a16:creationId xmlns:a16="http://schemas.microsoft.com/office/drawing/2014/main" id="{CAEB3BF2-1AD2-4C2D-B99F-1D3797566BAE}"/>
+              </a:ext>
+            </a:extLst>
+          </p:cNvPr>
+          <p:cNvSpPr>
+            <a:spLocks noGrp="1"/>
+          </p:cNvSpPr>
+          <p:nvPr>
+            <p:ph type="title"/>
+          </p:nvPr>
+        </p:nvSpPr>
+        <p:spPr/>
+        <p:txBody>
+          <a:bodyPr/>
+          <a:lstStyle/>
+          <a:p>
+            <a:r>
+              <a:rPr lang="it-IT" dirty="0"/>
+              <a:t>Modifiche migliorative riguardanti le strategie</a:t>
+            </a:r>
+          </a:p>
+        </p:txBody>
+      </p:sp>
+      <p:sp>
+        <p:nvSpPr>
+          <p:cNvPr id="3" name="Segnaposto contenuto 2">
+            <a:extLst>
+              <a:ext uri="{FF2B5EF4-FFF2-40B4-BE49-F238E27FC236}">
+                <a16:creationId xmlns:a16="http://schemas.microsoft.com/office/drawing/2014/main" id="{3A21D3DD-0941-4E6C-A75F-AB32E0759B79}"/>
+              </a:ext>
+            </a:extLst>
+          </p:cNvPr>
+          <p:cNvSpPr>
+            <a:spLocks noGrp="1"/>
+          </p:cNvSpPr>
+          <p:nvPr>
+            <p:ph idx="1"/>
+          </p:nvPr>
+        </p:nvSpPr>
+        <p:spPr/>
+        <p:txBody>
+          <a:bodyPr/>
+          <a:lstStyle/>
+          <a:p>
+            <a:pPr marL="971550" lvl="1" indent="-514350">
+              <a:buFont typeface="+mj-lt"/>
+              <a:buAutoNum type="arabicPeriod"/>
+            </a:pPr>
+            <a:r>
+              <a:rPr lang="it-IT" dirty="0"/>
+              <a:t>Rivista la pianificazione in modo da renderla coerente con il modello di sviluppo scelto</a:t>
+            </a:r>
+          </a:p>
+          <a:p>
+            <a:pPr marL="971550" lvl="1" indent="-514350">
+              <a:buFont typeface="+mj-lt"/>
+              <a:buAutoNum type="arabicPeriod"/>
+            </a:pPr>
+            <a:r>
+              <a:rPr lang="it-IT" dirty="0"/>
+              <a:t>In ambito di qualità, eliminata l’ambiguità con alcuni elementi di carattere normativo ed aumentata la profondità delle strategie, in particolare di quelle riguardanti il conseguimento degli obiettivi di qualità</a:t>
+            </a:r>
+          </a:p>
+          <a:p>
+            <a:pPr marL="971550" lvl="1" indent="-514350">
+              <a:buFont typeface="+mj-lt"/>
+              <a:buAutoNum type="arabicPeriod"/>
+            </a:pPr>
+            <a:r>
+              <a:rPr lang="it-IT" dirty="0"/>
+              <a:t>Ristrutturazione profonda dei documenti in base al feedback ricevuto</a:t>
+            </a:r>
+          </a:p>
+          <a:p>
+            <a:pPr marL="457200" lvl="1" indent="0">
+              <a:buNone/>
+            </a:pPr>
+            <a:endParaRPr lang="it-IT" dirty="0"/>
+          </a:p>
+        </p:txBody>
+      </p:sp>
+    </p:spTree>
+    <p:extLst>
+      <p:ext uri="{BB962C8B-B14F-4D97-AF65-F5344CB8AC3E}">
+        <p14:creationId xmlns:p14="http://schemas.microsoft.com/office/powerpoint/2010/main" val="2088814923"/>
+      </p:ext>
+    </p:extLst>
+  </p:cSld>
+  <p:clrMapOvr>
+    <a:masterClrMapping/>
+  </p:clrMapOvr>
+</p:sld>
+</file>
+
+<file path=ppt/slides/slide8.xml><?xml version="1.0" encoding="utf-8"?>
+<p:sld xmlns:a="http://schemas.openxmlformats.org/drawingml/2006/main" xmlns:r="http://schemas.openxmlformats.org/officeDocument/2006/relationships" xmlns:p="http://schemas.openxmlformats.org/presentationml/2006/main">
+  <p:cSld>
+    <p:spTree>
+      <p:nvGrpSpPr>
+        <p:cNvPr id="1" name=""/>
+        <p:cNvGrpSpPr/>
+        <p:nvPr/>
+      </p:nvGrpSpPr>
+      <p:grpSpPr>
+        <a:xfrm>
+          <a:off x="0" y="0"/>
+          <a:ext cx="0" cy="0"/>
+          <a:chOff x="0" y="0"/>
+          <a:chExt cx="0" cy="0"/>
+        </a:xfrm>
+      </p:grpSpPr>
+      <p:sp>
+        <p:nvSpPr>
+          <p:cNvPr id="4" name="Titolo 1">
+            <a:extLst>
+              <a:ext uri="{FF2B5EF4-FFF2-40B4-BE49-F238E27FC236}">
+                <a16:creationId xmlns:a16="http://schemas.microsoft.com/office/drawing/2014/main" id="{99692E30-13F3-4AB5-9C3B-ED508ADBAD16}"/>
+              </a:ext>
+            </a:extLst>
+          </p:cNvPr>
+          <p:cNvSpPr>
+            <a:spLocks noGrp="1"/>
+          </p:cNvSpPr>
+          <p:nvPr>
+            <p:ph type="title"/>
+          </p:nvPr>
+        </p:nvSpPr>
+        <p:spPr>
+          <a:xfrm>
+            <a:off x="838200" y="2766218"/>
+            <a:ext cx="10515600" cy="1325563"/>
+          </a:xfrm>
+        </p:spPr>
+        <p:txBody>
+          <a:bodyPr>
+            <a:normAutofit/>
+          </a:bodyPr>
+          <a:lstStyle/>
+          <a:p>
+            <a:r>
+              <a:rPr lang="it-IT" dirty="0"/>
+              <a:t>Auto-valutazione dell'andamento generale del progetto</a:t>
+            </a:r>
+          </a:p>
+        </p:txBody>
+      </p:sp>
+    </p:spTree>
+    <p:extLst>
+      <p:ext uri="{BB962C8B-B14F-4D97-AF65-F5344CB8AC3E}">
+        <p14:creationId xmlns:p14="http://schemas.microsoft.com/office/powerpoint/2010/main" val="3922461036"/>
+      </p:ext>
+    </p:extLst>
+  </p:cSld>
+  <p:clrMapOvr>
+    <a:masterClrMapping/>
+  </p:clrMapOvr>
+</p:sld>
+</file>
+
+<file path=ppt/slides/slide9.xml><?xml version="1.0" encoding="utf-8"?>
+<p:sld xmlns:a="http://schemas.openxmlformats.org/drawingml/2006/main" xmlns:r="http://schemas.openxmlformats.org/officeDocument/2006/relationships" xmlns:p="http://schemas.openxmlformats.org/presentationml/2006/main">
+  <p:cSld>
+    <p:spTree>
+      <p:nvGrpSpPr>
+        <p:cNvPr id="1" name=""/>
+        <p:cNvGrpSpPr/>
+        <p:nvPr/>
+      </p:nvGrpSpPr>
+      <p:grpSpPr>
+        <a:xfrm>
+          <a:off x="0" y="0"/>
+          <a:ext cx="0" cy="0"/>
+          <a:chOff x="0" y="0"/>
+          <a:chExt cx="0" cy="0"/>
+        </a:xfrm>
+      </p:grpSpPr>
+      <p:sp>
+        <p:nvSpPr>
+          <p:cNvPr id="2" name="Titolo 1">
+            <a:extLst>
+              <a:ext uri="{FF2B5EF4-FFF2-40B4-BE49-F238E27FC236}">
+                <a16:creationId xmlns:a16="http://schemas.microsoft.com/office/drawing/2014/main" id="{F4ABE55C-EB95-445F-8E9F-68BE5D82D801}"/>
+              </a:ext>
+            </a:extLst>
+          </p:cNvPr>
+          <p:cNvSpPr>
+            <a:spLocks noGrp="1"/>
+          </p:cNvSpPr>
+          <p:nvPr>
+            <p:ph type="title"/>
+          </p:nvPr>
+        </p:nvSpPr>
+        <p:spPr/>
+        <p:txBody>
+          <a:bodyPr/>
+          <a:lstStyle/>
+          <a:p>
+            <a:r>
+              <a:rPr lang="it-IT" dirty="0"/>
+              <a:t>Amministrazione</a:t>
+            </a:r>
+          </a:p>
+        </p:txBody>
+      </p:sp>
+      <p:sp>
+        <p:nvSpPr>
+          <p:cNvPr id="3" name="Segnaposto contenuto 2">
+            <a:extLst>
+              <a:ext uri="{FF2B5EF4-FFF2-40B4-BE49-F238E27FC236}">
+                <a16:creationId xmlns:a16="http://schemas.microsoft.com/office/drawing/2014/main" id="{BEFCF803-FB8A-415B-BD07-7DEA0EB09340}"/>
+              </a:ext>
+            </a:extLst>
+          </p:cNvPr>
+          <p:cNvSpPr>
+            <a:spLocks noGrp="1"/>
+          </p:cNvSpPr>
+          <p:nvPr>
+            <p:ph idx="1"/>
+          </p:nvPr>
+        </p:nvSpPr>
+        <p:spPr/>
+        <p:txBody>
+          <a:bodyPr/>
+          <a:lstStyle/>
+          <a:p>
+            <a:pPr lvl="1"/>
+            <a:r>
+              <a:rPr lang="it-IT" dirty="0"/>
+              <a:t>Da dove partivamo</a:t>
+            </a:r>
+          </a:p>
+          <a:p>
+            <a:pPr lvl="2"/>
+            <a:r>
+              <a:rPr lang="it-IT" dirty="0"/>
+              <a:t>Partiti da una competenza amministrativa nulla, siamo giunti al termine del primo periodo di progetto con un impianto normativo impreciso e confusionario</a:t>
+            </a:r>
+          </a:p>
+          <a:p>
+            <a:pPr lvl="1"/>
+            <a:r>
+              <a:rPr lang="it-IT" dirty="0"/>
+              <a:t>Che cosa abbiamo migliorato</a:t>
+            </a:r>
+          </a:p>
+          <a:p>
+            <a:pPr lvl="2"/>
+            <a:r>
+              <a:rPr lang="it-IT" dirty="0"/>
+              <a:t>La continua revisione di alcuni aspetti normativi e delle strategie di conseguimento della qualità hanno reso più agevole, precisa ed efficace l’amministrazione</a:t>
+            </a:r>
+          </a:p>
+          <a:p>
+            <a:pPr lvl="1"/>
+            <a:r>
+              <a:rPr lang="it-IT" dirty="0"/>
+              <a:t>Che cosa rimane da migliorare</a:t>
+            </a:r>
+          </a:p>
+          <a:p>
+            <a:pPr lvl="2"/>
+            <a:r>
+              <a:rPr lang="it-IT" dirty="0"/>
+              <a:t>Rimane margine di miglioramento sull’efficacia e sull’efficienza dell’impianto amministrativo, in particolare sul dettaglio e qualità delle norme di progetto e sull’applicazione delle procedure di verifica e validazione di prodotti e processi</a:t>
+            </a:r>
+          </a:p>
+        </p:txBody>
+      </p:sp>
+    </p:spTree>
+    <p:extLst>
+      <p:ext uri="{BB962C8B-B14F-4D97-AF65-F5344CB8AC3E}">
+        <p14:creationId xmlns:p14="http://schemas.microsoft.com/office/powerpoint/2010/main" val="3352133335"/>
       </p:ext>
     </p:extLst>
   </p:cSld>
